--- a/complex_choice/chinese text images.pptx
+++ b/complex_choice/chinese text images.pptx
@@ -5,12 +5,13 @@
     <p:sldMasterId id="2147483648" r:id="rId1"/>
   </p:sldMasterIdLst>
   <p:sldIdLst>
-    <p:sldId id="256" r:id="rId2"/>
-    <p:sldId id="261" r:id="rId3"/>
-    <p:sldId id="263" r:id="rId4"/>
-    <p:sldId id="259" r:id="rId5"/>
-    <p:sldId id="260" r:id="rId6"/>
-    <p:sldId id="262" r:id="rId7"/>
+    <p:sldId id="264" r:id="rId2"/>
+    <p:sldId id="256" r:id="rId3"/>
+    <p:sldId id="261" r:id="rId4"/>
+    <p:sldId id="263" r:id="rId5"/>
+    <p:sldId id="259" r:id="rId6"/>
+    <p:sldId id="260" r:id="rId7"/>
+    <p:sldId id="262" r:id="rId8"/>
   </p:sldIdLst>
   <p:sldSz cx="12192000" cy="6858000"/>
   <p:notesSz cx="6858000" cy="9144000"/>
@@ -266,7 +267,7 @@
           <a:p>
             <a:fld id="{DD73E09B-29B1-4B99-9C11-941D2A2090F4}" type="datetimeFigureOut">
               <a:rPr lang="en-HK" smtClean="0"/>
-              <a:t>1/3/2024</a:t>
+              <a:t>4/3/2024</a:t>
             </a:fld>
             <a:endParaRPr lang="en-HK"/>
           </a:p>
@@ -466,7 +467,7 @@
           <a:p>
             <a:fld id="{DD73E09B-29B1-4B99-9C11-941D2A2090F4}" type="datetimeFigureOut">
               <a:rPr lang="en-HK" smtClean="0"/>
-              <a:t>1/3/2024</a:t>
+              <a:t>4/3/2024</a:t>
             </a:fld>
             <a:endParaRPr lang="en-HK"/>
           </a:p>
@@ -676,7 +677,7 @@
           <a:p>
             <a:fld id="{DD73E09B-29B1-4B99-9C11-941D2A2090F4}" type="datetimeFigureOut">
               <a:rPr lang="en-HK" smtClean="0"/>
-              <a:t>1/3/2024</a:t>
+              <a:t>4/3/2024</a:t>
             </a:fld>
             <a:endParaRPr lang="en-HK"/>
           </a:p>
@@ -876,7 +877,7 @@
           <a:p>
             <a:fld id="{DD73E09B-29B1-4B99-9C11-941D2A2090F4}" type="datetimeFigureOut">
               <a:rPr lang="en-HK" smtClean="0"/>
-              <a:t>1/3/2024</a:t>
+              <a:t>4/3/2024</a:t>
             </a:fld>
             <a:endParaRPr lang="en-HK"/>
           </a:p>
@@ -1152,7 +1153,7 @@
           <a:p>
             <a:fld id="{DD73E09B-29B1-4B99-9C11-941D2A2090F4}" type="datetimeFigureOut">
               <a:rPr lang="en-HK" smtClean="0"/>
-              <a:t>1/3/2024</a:t>
+              <a:t>4/3/2024</a:t>
             </a:fld>
             <a:endParaRPr lang="en-HK"/>
           </a:p>
@@ -1420,7 +1421,7 @@
           <a:p>
             <a:fld id="{DD73E09B-29B1-4B99-9C11-941D2A2090F4}" type="datetimeFigureOut">
               <a:rPr lang="en-HK" smtClean="0"/>
-              <a:t>1/3/2024</a:t>
+              <a:t>4/3/2024</a:t>
             </a:fld>
             <a:endParaRPr lang="en-HK"/>
           </a:p>
@@ -1835,7 +1836,7 @@
           <a:p>
             <a:fld id="{DD73E09B-29B1-4B99-9C11-941D2A2090F4}" type="datetimeFigureOut">
               <a:rPr lang="en-HK" smtClean="0"/>
-              <a:t>1/3/2024</a:t>
+              <a:t>4/3/2024</a:t>
             </a:fld>
             <a:endParaRPr lang="en-HK"/>
           </a:p>
@@ -1977,7 +1978,7 @@
           <a:p>
             <a:fld id="{DD73E09B-29B1-4B99-9C11-941D2A2090F4}" type="datetimeFigureOut">
               <a:rPr lang="en-HK" smtClean="0"/>
-              <a:t>1/3/2024</a:t>
+              <a:t>4/3/2024</a:t>
             </a:fld>
             <a:endParaRPr lang="en-HK"/>
           </a:p>
@@ -2090,7 +2091,7 @@
           <a:p>
             <a:fld id="{DD73E09B-29B1-4B99-9C11-941D2A2090F4}" type="datetimeFigureOut">
               <a:rPr lang="en-HK" smtClean="0"/>
-              <a:t>1/3/2024</a:t>
+              <a:t>4/3/2024</a:t>
             </a:fld>
             <a:endParaRPr lang="en-HK"/>
           </a:p>
@@ -2403,7 +2404,7 @@
           <a:p>
             <a:fld id="{DD73E09B-29B1-4B99-9C11-941D2A2090F4}" type="datetimeFigureOut">
               <a:rPr lang="en-HK" smtClean="0"/>
-              <a:t>1/3/2024</a:t>
+              <a:t>4/3/2024</a:t>
             </a:fld>
             <a:endParaRPr lang="en-HK"/>
           </a:p>
@@ -2692,7 +2693,7 @@
           <a:p>
             <a:fld id="{DD73E09B-29B1-4B99-9C11-941D2A2090F4}" type="datetimeFigureOut">
               <a:rPr lang="en-HK" smtClean="0"/>
-              <a:t>1/3/2024</a:t>
+              <a:t>4/3/2024</a:t>
             </a:fld>
             <a:endParaRPr lang="en-HK"/>
           </a:p>
@@ -2940,7 +2941,7 @@
           <a:p>
             <a:fld id="{DD73E09B-29B1-4B99-9C11-941D2A2090F4}" type="datetimeFigureOut">
               <a:rPr lang="en-HK" smtClean="0"/>
-              <a:t>1/3/2024</a:t>
+              <a:t>4/3/2024</a:t>
             </a:fld>
             <a:endParaRPr lang="en-HK"/>
           </a:p>
@@ -3426,6 +3427,105 @@
           </a:p>
         </p:txBody>
       </p:sp>
+    </p:spTree>
+    <p:extLst>
+      <p:ext uri="{BB962C8B-B14F-4D97-AF65-F5344CB8AC3E}">
+        <p14:creationId xmlns:p14="http://schemas.microsoft.com/office/powerpoint/2010/main" val="3307918779"/>
+      </p:ext>
+    </p:extLst>
+  </p:cSld>
+  <p:clrMapOvr>
+    <a:masterClrMapping/>
+  </p:clrMapOvr>
+</p:sld>
+</file>
+
+<file path=ppt/slides/slide2.xml><?xml version="1.0" encoding="utf-8"?>
+<p:sld xmlns:a="http://schemas.openxmlformats.org/drawingml/2006/main" xmlns:r="http://schemas.openxmlformats.org/officeDocument/2006/relationships" xmlns:p="http://schemas.openxmlformats.org/presentationml/2006/main">
+  <p:cSld>
+    <p:spTree>
+      <p:nvGrpSpPr>
+        <p:cNvPr id="1" name=""/>
+        <p:cNvGrpSpPr/>
+        <p:nvPr/>
+      </p:nvGrpSpPr>
+      <p:grpSpPr>
+        <a:xfrm>
+          <a:off x="0" y="0"/>
+          <a:ext cx="0" cy="0"/>
+          <a:chOff x="0" y="0"/>
+          <a:chExt cx="0" cy="0"/>
+        </a:xfrm>
+      </p:grpSpPr>
+      <p:sp>
+        <p:nvSpPr>
+          <p:cNvPr id="4" name="TextBox 3">
+            <a:extLst>
+              <a:ext uri="{FF2B5EF4-FFF2-40B4-BE49-F238E27FC236}">
+                <a16:creationId xmlns:a16="http://schemas.microsoft.com/office/drawing/2014/main" id="{9ECCB11F-4F87-4B10-9CCC-A22064D6CEE2}"/>
+              </a:ext>
+            </a:extLst>
+          </p:cNvPr>
+          <p:cNvSpPr txBox="1"/>
+          <p:nvPr/>
+        </p:nvSpPr>
+        <p:spPr>
+          <a:xfrm>
+            <a:off x="3298536" y="2450206"/>
+            <a:ext cx="5771573" cy="2123658"/>
+          </a:xfrm>
+          <a:prstGeom prst="rect">
+            <a:avLst/>
+          </a:prstGeom>
+          <a:noFill/>
+        </p:spPr>
+        <p:txBody>
+          <a:bodyPr wrap="square" rtlCol="0">
+            <a:spAutoFit/>
+          </a:bodyPr>
+          <a:lstStyle/>
+          <a:p>
+            <a:pPr algn="ctr"/>
+            <a:r>
+              <a:rPr lang="zh-CN" altLang="en-US" sz="6600" dirty="0">
+                <a:solidFill>
+                  <a:schemeClr val="bg1"/>
+                </a:solidFill>
+                <a:latin typeface="Noto Sans TC" panose="020B0200000000000000" pitchFamily="34" charset="-128"/>
+                <a:ea typeface="Noto Sans TC" panose="020B0200000000000000" pitchFamily="34" charset="-128"/>
+              </a:rPr>
+              <a:t>保持靜止</a:t>
+            </a:r>
+            <a:endParaRPr lang="en-HK" altLang="zh-CN" sz="6600" dirty="0">
+              <a:solidFill>
+                <a:schemeClr val="bg1"/>
+              </a:solidFill>
+              <a:latin typeface="Noto Sans TC" panose="020B0200000000000000" pitchFamily="34" charset="-128"/>
+              <a:ea typeface="Noto Sans TC" panose="020B0200000000000000" pitchFamily="34" charset="-128"/>
+            </a:endParaRPr>
+          </a:p>
+          <a:p>
+            <a:pPr algn="ctr"/>
+            <a:r>
+              <a:rPr lang="zh-CN" altLang="en-US" sz="6600" dirty="0">
+                <a:solidFill>
+                  <a:schemeClr val="bg1"/>
+                </a:solidFill>
+                <a:latin typeface="Noto Sans TC" panose="020B0200000000000000" pitchFamily="34" charset="-128"/>
+                <a:ea typeface="Noto Sans TC" panose="020B0200000000000000" pitchFamily="34" charset="-128"/>
+              </a:rPr>
+              <a:t>準備好請按左</a:t>
+            </a:r>
+            <a:endParaRPr lang="en-HK" sz="6600" dirty="0">
+              <a:solidFill>
+                <a:schemeClr val="bg1"/>
+              </a:solidFill>
+              <a:latin typeface="Noto Sans TC" panose="020B0200000000000000" pitchFamily="34" charset="-128"/>
+              <a:ea typeface="Noto Sans TC" panose="020B0200000000000000" pitchFamily="34" charset="-128"/>
+            </a:endParaRPr>
+          </a:p>
+        </p:txBody>
+      </p:sp>
       <p:pic>
         <p:nvPicPr>
           <p:cNvPr id="7" name="Picture 6">
@@ -3474,7 +3574,7 @@
 </p:sld>
 </file>
 
-<file path=ppt/slides/slide2.xml><?xml version="1.0" encoding="utf-8"?>
+<file path=ppt/slides/slide3.xml><?xml version="1.0" encoding="utf-8"?>
 <p:sld xmlns:a="http://schemas.openxmlformats.org/drawingml/2006/main" xmlns:r="http://schemas.openxmlformats.org/officeDocument/2006/relationships" xmlns:p="http://schemas.openxmlformats.org/presentationml/2006/main">
   <p:cSld>
     <p:spTree>
@@ -3618,7 +3718,7 @@
 </p:sld>
 </file>
 
-<file path=ppt/slides/slide3.xml><?xml version="1.0" encoding="utf-8"?>
+<file path=ppt/slides/slide4.xml><?xml version="1.0" encoding="utf-8"?>
 <p:sld xmlns:a="http://schemas.openxmlformats.org/drawingml/2006/main" xmlns:r="http://schemas.openxmlformats.org/officeDocument/2006/relationships" xmlns:p="http://schemas.openxmlformats.org/presentationml/2006/main">
   <p:cSld>
     <p:spTree>
@@ -3732,7 +3832,7 @@
 </p:sld>
 </file>
 
-<file path=ppt/slides/slide4.xml><?xml version="1.0" encoding="utf-8"?>
+<file path=ppt/slides/slide5.xml><?xml version="1.0" encoding="utf-8"?>
 <p:sld xmlns:a="http://schemas.openxmlformats.org/drawingml/2006/main" xmlns:r="http://schemas.openxmlformats.org/officeDocument/2006/relationships" xmlns:p="http://schemas.openxmlformats.org/presentationml/2006/main">
   <p:cSld>
     <p:spTree>
@@ -3874,7 +3974,7 @@
 </p:sld>
 </file>
 
-<file path=ppt/slides/slide5.xml><?xml version="1.0" encoding="utf-8"?>
+<file path=ppt/slides/slide6.xml><?xml version="1.0" encoding="utf-8"?>
 <p:sld xmlns:a="http://schemas.openxmlformats.org/drawingml/2006/main" xmlns:r="http://schemas.openxmlformats.org/officeDocument/2006/relationships" xmlns:p="http://schemas.openxmlformats.org/presentationml/2006/main">
   <p:cSld>
     <p:spTree>
@@ -4047,7 +4147,7 @@
 </p:sld>
 </file>
 
-<file path=ppt/slides/slide6.xml><?xml version="1.0" encoding="utf-8"?>
+<file path=ppt/slides/slide7.xml><?xml version="1.0" encoding="utf-8"?>
 <p:sld xmlns:a="http://schemas.openxmlformats.org/drawingml/2006/main" xmlns:r="http://schemas.openxmlformats.org/officeDocument/2006/relationships" xmlns:p="http://schemas.openxmlformats.org/presentationml/2006/main">
   <p:cSld>
     <p:spTree>
